--- a/Dokumentation/Architekturdiagramm.pptx
+++ b/Dokumentation/Architekturdiagramm.pptx
@@ -104,6 +104,11 @@
       </a:defRPr>
     </a:lvl9pPr>
   </p:defaultTextStyle>
+  <p:extLst>
+    <p:ext uri="{EFAFB233-063F-42B5-8137-9DF3F51BA10A}">
+      <p15:sldGuideLst xmlns:p15="http://schemas.microsoft.com/office/powerpoint/2012/main"/>
+    </p:ext>
+  </p:extLst>
 </p:presentation>
 </file>
 
@@ -256,7 +261,7 @@
           <a:p>
             <a:fld id="{000A58DB-E811-C149-82B0-665592BD4B62}" type="datetimeFigureOut">
               <a:rPr lang="de-DE" smtClean="0"/>
-              <a:t>29.03.23</a:t>
+              <a:t>19.04.23</a:t>
             </a:fld>
             <a:endParaRPr lang="de-DE"/>
           </a:p>
@@ -456,7 +461,7 @@
           <a:p>
             <a:fld id="{000A58DB-E811-C149-82B0-665592BD4B62}" type="datetimeFigureOut">
               <a:rPr lang="de-DE" smtClean="0"/>
-              <a:t>29.03.23</a:t>
+              <a:t>19.04.23</a:t>
             </a:fld>
             <a:endParaRPr lang="de-DE"/>
           </a:p>
@@ -666,7 +671,7 @@
           <a:p>
             <a:fld id="{000A58DB-E811-C149-82B0-665592BD4B62}" type="datetimeFigureOut">
               <a:rPr lang="de-DE" smtClean="0"/>
-              <a:t>29.03.23</a:t>
+              <a:t>19.04.23</a:t>
             </a:fld>
             <a:endParaRPr lang="de-DE"/>
           </a:p>
@@ -866,7 +871,7 @@
           <a:p>
             <a:fld id="{000A58DB-E811-C149-82B0-665592BD4B62}" type="datetimeFigureOut">
               <a:rPr lang="de-DE" smtClean="0"/>
-              <a:t>29.03.23</a:t>
+              <a:t>19.04.23</a:t>
             </a:fld>
             <a:endParaRPr lang="de-DE"/>
           </a:p>
@@ -1142,7 +1147,7 @@
           <a:p>
             <a:fld id="{000A58DB-E811-C149-82B0-665592BD4B62}" type="datetimeFigureOut">
               <a:rPr lang="de-DE" smtClean="0"/>
-              <a:t>29.03.23</a:t>
+              <a:t>19.04.23</a:t>
             </a:fld>
             <a:endParaRPr lang="de-DE"/>
           </a:p>
@@ -1410,7 +1415,7 @@
           <a:p>
             <a:fld id="{000A58DB-E811-C149-82B0-665592BD4B62}" type="datetimeFigureOut">
               <a:rPr lang="de-DE" smtClean="0"/>
-              <a:t>29.03.23</a:t>
+              <a:t>19.04.23</a:t>
             </a:fld>
             <a:endParaRPr lang="de-DE"/>
           </a:p>
@@ -1825,7 +1830,7 @@
           <a:p>
             <a:fld id="{000A58DB-E811-C149-82B0-665592BD4B62}" type="datetimeFigureOut">
               <a:rPr lang="de-DE" smtClean="0"/>
-              <a:t>29.03.23</a:t>
+              <a:t>19.04.23</a:t>
             </a:fld>
             <a:endParaRPr lang="de-DE"/>
           </a:p>
@@ -1967,7 +1972,7 @@
           <a:p>
             <a:fld id="{000A58DB-E811-C149-82B0-665592BD4B62}" type="datetimeFigureOut">
               <a:rPr lang="de-DE" smtClean="0"/>
-              <a:t>29.03.23</a:t>
+              <a:t>19.04.23</a:t>
             </a:fld>
             <a:endParaRPr lang="de-DE"/>
           </a:p>
@@ -2080,7 +2085,7 @@
           <a:p>
             <a:fld id="{000A58DB-E811-C149-82B0-665592BD4B62}" type="datetimeFigureOut">
               <a:rPr lang="de-DE" smtClean="0"/>
-              <a:t>29.03.23</a:t>
+              <a:t>19.04.23</a:t>
             </a:fld>
             <a:endParaRPr lang="de-DE"/>
           </a:p>
@@ -2393,7 +2398,7 @@
           <a:p>
             <a:fld id="{000A58DB-E811-C149-82B0-665592BD4B62}" type="datetimeFigureOut">
               <a:rPr lang="de-DE" smtClean="0"/>
-              <a:t>29.03.23</a:t>
+              <a:t>19.04.23</a:t>
             </a:fld>
             <a:endParaRPr lang="de-DE"/>
           </a:p>
@@ -2682,7 +2687,7 @@
           <a:p>
             <a:fld id="{000A58DB-E811-C149-82B0-665592BD4B62}" type="datetimeFigureOut">
               <a:rPr lang="de-DE" smtClean="0"/>
-              <a:t>29.03.23</a:t>
+              <a:t>19.04.23</a:t>
             </a:fld>
             <a:endParaRPr lang="de-DE"/>
           </a:p>
@@ -2925,7 +2930,7 @@
           <a:p>
             <a:fld id="{000A58DB-E811-C149-82B0-665592BD4B62}" type="datetimeFigureOut">
               <a:rPr lang="de-DE" smtClean="0"/>
-              <a:t>29.03.23</a:t>
+              <a:t>19.04.23</a:t>
             </a:fld>
             <a:endParaRPr lang="de-DE"/>
           </a:p>
@@ -5379,6 +5384,170 @@
           </a:fontRef>
         </p:style>
       </p:cxnSp>
+      <p:cxnSp>
+        <p:nvCxnSpPr>
+          <p:cNvPr id="2" name="Straight Arrow Connector 1">
+            <a:extLst>
+              <a:ext uri="{FF2B5EF4-FFF2-40B4-BE49-F238E27FC236}">
+                <a16:creationId xmlns:a16="http://schemas.microsoft.com/office/drawing/2014/main" id="{A52864CB-E2E3-1ACC-C351-C7D182D2353D}"/>
+              </a:ext>
+            </a:extLst>
+          </p:cNvPr>
+          <p:cNvCxnSpPr>
+            <a:cxnSpLocks/>
+          </p:cNvCxnSpPr>
+          <p:nvPr/>
+        </p:nvCxnSpPr>
+        <p:spPr>
+          <a:xfrm rot="16200000">
+            <a:off x="4798409" y="4654645"/>
+            <a:ext cx="789168" cy="0"/>
+          </a:xfrm>
+          <a:prstGeom prst="straightConnector1">
+            <a:avLst/>
+          </a:prstGeom>
+          <a:ln>
+            <a:tailEnd type="triangle"/>
+          </a:ln>
+        </p:spPr>
+        <p:style>
+          <a:lnRef idx="1">
+            <a:schemeClr val="dk1"/>
+          </a:lnRef>
+          <a:fillRef idx="0">
+            <a:schemeClr val="dk1"/>
+          </a:fillRef>
+          <a:effectRef idx="0">
+            <a:schemeClr val="dk1"/>
+          </a:effectRef>
+          <a:fontRef idx="minor">
+            <a:schemeClr val="tx1"/>
+          </a:fontRef>
+        </p:style>
+      </p:cxnSp>
+      <p:cxnSp>
+        <p:nvCxnSpPr>
+          <p:cNvPr id="3" name="Straight Arrow Connector 2">
+            <a:extLst>
+              <a:ext uri="{FF2B5EF4-FFF2-40B4-BE49-F238E27FC236}">
+                <a16:creationId xmlns:a16="http://schemas.microsoft.com/office/drawing/2014/main" id="{55EF4E29-7982-0273-04C3-27C233AA4E2E}"/>
+              </a:ext>
+            </a:extLst>
+          </p:cNvPr>
+          <p:cNvCxnSpPr>
+            <a:cxnSpLocks/>
+          </p:cNvCxnSpPr>
+          <p:nvPr/>
+        </p:nvCxnSpPr>
+        <p:spPr>
+          <a:xfrm rot="16200000">
+            <a:off x="4996529" y="4654645"/>
+            <a:ext cx="789168" cy="0"/>
+          </a:xfrm>
+          <a:prstGeom prst="straightConnector1">
+            <a:avLst/>
+          </a:prstGeom>
+          <a:ln>
+            <a:tailEnd type="triangle"/>
+          </a:ln>
+        </p:spPr>
+        <p:style>
+          <a:lnRef idx="1">
+            <a:schemeClr val="dk1"/>
+          </a:lnRef>
+          <a:fillRef idx="0">
+            <a:schemeClr val="dk1"/>
+          </a:fillRef>
+          <a:effectRef idx="0">
+            <a:schemeClr val="dk1"/>
+          </a:effectRef>
+          <a:fontRef idx="minor">
+            <a:schemeClr val="tx1"/>
+          </a:fontRef>
+        </p:style>
+      </p:cxnSp>
+      <p:cxnSp>
+        <p:nvCxnSpPr>
+          <p:cNvPr id="15" name="Straight Arrow Connector 14">
+            <a:extLst>
+              <a:ext uri="{FF2B5EF4-FFF2-40B4-BE49-F238E27FC236}">
+                <a16:creationId xmlns:a16="http://schemas.microsoft.com/office/drawing/2014/main" id="{76458971-B8C8-78D2-7242-FB50312CCFF2}"/>
+              </a:ext>
+            </a:extLst>
+          </p:cNvPr>
+          <p:cNvCxnSpPr>
+            <a:cxnSpLocks/>
+          </p:cNvCxnSpPr>
+          <p:nvPr/>
+        </p:nvCxnSpPr>
+        <p:spPr>
+          <a:xfrm rot="16200000">
+            <a:off x="5194649" y="4654645"/>
+            <a:ext cx="789168" cy="0"/>
+          </a:xfrm>
+          <a:prstGeom prst="straightConnector1">
+            <a:avLst/>
+          </a:prstGeom>
+          <a:ln>
+            <a:tailEnd type="triangle"/>
+          </a:ln>
+        </p:spPr>
+        <p:style>
+          <a:lnRef idx="1">
+            <a:schemeClr val="dk1"/>
+          </a:lnRef>
+          <a:fillRef idx="0">
+            <a:schemeClr val="dk1"/>
+          </a:fillRef>
+          <a:effectRef idx="0">
+            <a:schemeClr val="dk1"/>
+          </a:effectRef>
+          <a:fontRef idx="minor">
+            <a:schemeClr val="tx1"/>
+          </a:fontRef>
+        </p:style>
+      </p:cxnSp>
+      <p:cxnSp>
+        <p:nvCxnSpPr>
+          <p:cNvPr id="16" name="Straight Arrow Connector 15">
+            <a:extLst>
+              <a:ext uri="{FF2B5EF4-FFF2-40B4-BE49-F238E27FC236}">
+                <a16:creationId xmlns:a16="http://schemas.microsoft.com/office/drawing/2014/main" id="{2D62EBF9-0535-84BE-CF79-7D27972EA920}"/>
+              </a:ext>
+            </a:extLst>
+          </p:cNvPr>
+          <p:cNvCxnSpPr>
+            <a:cxnSpLocks/>
+          </p:cNvCxnSpPr>
+          <p:nvPr/>
+        </p:nvCxnSpPr>
+        <p:spPr>
+          <a:xfrm rot="16200000">
+            <a:off x="5392769" y="4654645"/>
+            <a:ext cx="789168" cy="0"/>
+          </a:xfrm>
+          <a:prstGeom prst="straightConnector1">
+            <a:avLst/>
+          </a:prstGeom>
+          <a:ln>
+            <a:tailEnd type="triangle"/>
+          </a:ln>
+        </p:spPr>
+        <p:style>
+          <a:lnRef idx="1">
+            <a:schemeClr val="dk1"/>
+          </a:lnRef>
+          <a:fillRef idx="0">
+            <a:schemeClr val="dk1"/>
+          </a:fillRef>
+          <a:effectRef idx="0">
+            <a:schemeClr val="dk1"/>
+          </a:effectRef>
+          <a:fontRef idx="minor">
+            <a:schemeClr val="tx1"/>
+          </a:fontRef>
+        </p:style>
+      </p:cxnSp>
     </p:spTree>
     <p:extLst>
       <p:ext uri="{BB962C8B-B14F-4D97-AF65-F5344CB8AC3E}">

--- a/Dokumentation/Architekturdiagramm.pptx
+++ b/Dokumentation/Architekturdiagramm.pptx
@@ -3440,7 +3440,7 @@
             <a:pPr algn="ctr"/>
             <a:r>
               <a:rPr lang="de-DE" dirty="0"/>
-              <a:t>CP1204</a:t>
+              <a:t>CP2104</a:t>
             </a:r>
           </a:p>
           <a:p>
@@ -3522,8 +3522,8 @@
         </p:nvSpPr>
         <p:spPr>
           <a:xfrm>
-            <a:off x="566928" y="2427112"/>
-            <a:ext cx="2322576" cy="622852"/>
+            <a:off x="1298448" y="2427112"/>
+            <a:ext cx="1591056" cy="622852"/>
           </a:xfrm>
           <a:prstGeom prst="rect">
             <a:avLst/>
@@ -4207,7 +4207,7 @@
             </a:pPr>
             <a:r>
               <a:rPr lang="de-DE" sz="1200" dirty="0"/>
-              <a:t>MISO</a:t>
+              <a:t>WS</a:t>
             </a:r>
           </a:p>
           <a:p>
@@ -4218,7 +4218,7 @@
             </a:pPr>
             <a:r>
               <a:rPr lang="de-DE" sz="1200" dirty="0"/>
-              <a:t>MOSI</a:t>
+              <a:t>SD</a:t>
             </a:r>
           </a:p>
           <a:p>
@@ -5400,7 +5400,7 @@
         </p:nvCxnSpPr>
         <p:spPr>
           <a:xfrm rot="16200000">
-            <a:off x="4798409" y="4654645"/>
+            <a:off x="4743971" y="4654645"/>
             <a:ext cx="789168" cy="0"/>
           </a:xfrm>
           <a:prstGeom prst="straightConnector1">
@@ -5441,7 +5441,7 @@
         </p:nvCxnSpPr>
         <p:spPr>
           <a:xfrm rot="16200000">
-            <a:off x="4996529" y="4654645"/>
+            <a:off x="4983141" y="4647418"/>
             <a:ext cx="789168" cy="0"/>
           </a:xfrm>
           <a:prstGeom prst="straightConnector1">
@@ -5482,7 +5482,7 @@
         </p:nvCxnSpPr>
         <p:spPr>
           <a:xfrm rot="16200000">
-            <a:off x="5194649" y="4654645"/>
+            <a:off x="5222311" y="4647418"/>
             <a:ext cx="789168" cy="0"/>
           </a:xfrm>
           <a:prstGeom prst="straightConnector1">
@@ -5523,7 +5523,7 @@
         </p:nvCxnSpPr>
         <p:spPr>
           <a:xfrm rot="16200000">
-            <a:off x="5392769" y="4654645"/>
+            <a:off x="5461481" y="4647418"/>
             <a:ext cx="789168" cy="0"/>
           </a:xfrm>
           <a:prstGeom prst="straightConnector1">
@@ -5548,6 +5548,353 @@
           </a:fontRef>
         </p:style>
       </p:cxnSp>
+      <p:cxnSp>
+        <p:nvCxnSpPr>
+          <p:cNvPr id="18" name="Straight Arrow Connector 17">
+            <a:extLst>
+              <a:ext uri="{FF2B5EF4-FFF2-40B4-BE49-F238E27FC236}">
+                <a16:creationId xmlns:a16="http://schemas.microsoft.com/office/drawing/2014/main" id="{8511F572-BEDD-904D-7825-3F20C0F02C7F}"/>
+              </a:ext>
+            </a:extLst>
+          </p:cNvPr>
+          <p:cNvCxnSpPr>
+            <a:cxnSpLocks/>
+          </p:cNvCxnSpPr>
+          <p:nvPr/>
+        </p:nvCxnSpPr>
+        <p:spPr>
+          <a:xfrm>
+            <a:off x="883121" y="1481328"/>
+            <a:ext cx="0" cy="1732607"/>
+          </a:xfrm>
+          <a:prstGeom prst="straightConnector1">
+            <a:avLst/>
+          </a:prstGeom>
+          <a:ln>
+            <a:tailEnd type="triangle"/>
+          </a:ln>
+        </p:spPr>
+        <p:style>
+          <a:lnRef idx="1">
+            <a:schemeClr val="dk1"/>
+          </a:lnRef>
+          <a:fillRef idx="0">
+            <a:schemeClr val="dk1"/>
+          </a:fillRef>
+          <a:effectRef idx="0">
+            <a:schemeClr val="dk1"/>
+          </a:effectRef>
+          <a:fontRef idx="minor">
+            <a:schemeClr val="tx1"/>
+          </a:fontRef>
+        </p:style>
+      </p:cxnSp>
+      <p:sp>
+        <p:nvSpPr>
+          <p:cNvPr id="22" name="TextBox 21">
+            <a:extLst>
+              <a:ext uri="{FF2B5EF4-FFF2-40B4-BE49-F238E27FC236}">
+                <a16:creationId xmlns:a16="http://schemas.microsoft.com/office/drawing/2014/main" id="{B7244AFA-E74E-53FC-9515-2ED568F3B5C7}"/>
+              </a:ext>
+            </a:extLst>
+          </p:cNvPr>
+          <p:cNvSpPr txBox="1"/>
+          <p:nvPr/>
+        </p:nvSpPr>
+        <p:spPr>
+          <a:xfrm>
+            <a:off x="570755" y="2147500"/>
+            <a:ext cx="333109" cy="276999"/>
+          </a:xfrm>
+          <a:prstGeom prst="rect">
+            <a:avLst/>
+          </a:prstGeom>
+          <a:noFill/>
+        </p:spPr>
+        <p:txBody>
+          <a:bodyPr wrap="square" rtlCol="0">
+            <a:spAutoFit/>
+          </a:bodyPr>
+          <a:lstStyle/>
+          <a:p>
+            <a:pPr algn="ctr">
+              <a:spcAft>
+                <a:spcPts val="600"/>
+              </a:spcAft>
+            </a:pPr>
+            <a:r>
+              <a:rPr lang="de-DE" sz="1200" dirty="0"/>
+              <a:t>5v</a:t>
+            </a:r>
+          </a:p>
+        </p:txBody>
+      </p:sp>
+      <p:sp>
+        <p:nvSpPr>
+          <p:cNvPr id="23" name="TextBox 22">
+            <a:extLst>
+              <a:ext uri="{FF2B5EF4-FFF2-40B4-BE49-F238E27FC236}">
+                <a16:creationId xmlns:a16="http://schemas.microsoft.com/office/drawing/2014/main" id="{799D9EC5-764F-7934-C4C9-0F4890FD063F}"/>
+              </a:ext>
+            </a:extLst>
+          </p:cNvPr>
+          <p:cNvSpPr txBox="1"/>
+          <p:nvPr/>
+        </p:nvSpPr>
+        <p:spPr>
+          <a:xfrm>
+            <a:off x="3101271" y="3456387"/>
+            <a:ext cx="333109" cy="276999"/>
+          </a:xfrm>
+          <a:prstGeom prst="rect">
+            <a:avLst/>
+          </a:prstGeom>
+          <a:noFill/>
+        </p:spPr>
+        <p:txBody>
+          <a:bodyPr wrap="square" rtlCol="0">
+            <a:spAutoFit/>
+          </a:bodyPr>
+          <a:lstStyle/>
+          <a:p>
+            <a:pPr algn="ctr">
+              <a:spcAft>
+                <a:spcPts val="600"/>
+              </a:spcAft>
+            </a:pPr>
+            <a:r>
+              <a:rPr lang="de-DE" sz="1200" dirty="0"/>
+              <a:t>5v</a:t>
+            </a:r>
+          </a:p>
+        </p:txBody>
+      </p:sp>
+      <p:sp>
+        <p:nvSpPr>
+          <p:cNvPr id="26" name="Rectangle 25">
+            <a:extLst>
+              <a:ext uri="{FF2B5EF4-FFF2-40B4-BE49-F238E27FC236}">
+                <a16:creationId xmlns:a16="http://schemas.microsoft.com/office/drawing/2014/main" id="{601761E2-AAD0-593F-D91D-57A3CE8BADA9}"/>
+              </a:ext>
+            </a:extLst>
+          </p:cNvPr>
+          <p:cNvSpPr/>
+          <p:nvPr/>
+        </p:nvSpPr>
+        <p:spPr>
+          <a:xfrm>
+            <a:off x="5957227" y="2323039"/>
+            <a:ext cx="606730" cy="1133348"/>
+          </a:xfrm>
+          <a:prstGeom prst="rect">
+            <a:avLst/>
+          </a:prstGeom>
+          <a:noFill/>
+          <a:ln>
+            <a:solidFill>
+              <a:schemeClr val="tx1"/>
+            </a:solidFill>
+          </a:ln>
+        </p:spPr>
+        <p:style>
+          <a:lnRef idx="2">
+            <a:schemeClr val="accent1">
+              <a:shade val="50000"/>
+            </a:schemeClr>
+          </a:lnRef>
+          <a:fillRef idx="1">
+            <a:schemeClr val="accent1"/>
+          </a:fillRef>
+          <a:effectRef idx="0">
+            <a:schemeClr val="accent1"/>
+          </a:effectRef>
+          <a:fontRef idx="minor">
+            <a:schemeClr val="lt1"/>
+          </a:fontRef>
+        </p:style>
+        <p:txBody>
+          <a:bodyPr rtlCol="0" anchor="ctr"/>
+          <a:lstStyle/>
+          <a:p>
+            <a:pPr algn="ctr"/>
+            <a:endParaRPr lang="de-DE"/>
+          </a:p>
+        </p:txBody>
+      </p:sp>
+      <p:sp>
+        <p:nvSpPr>
+          <p:cNvPr id="29" name="TextBox 28">
+            <a:extLst>
+              <a:ext uri="{FF2B5EF4-FFF2-40B4-BE49-F238E27FC236}">
+                <a16:creationId xmlns:a16="http://schemas.microsoft.com/office/drawing/2014/main" id="{CC0FB9F9-5CF6-54CD-73BE-26877F097B3C}"/>
+              </a:ext>
+            </a:extLst>
+          </p:cNvPr>
+          <p:cNvSpPr txBox="1"/>
+          <p:nvPr/>
+        </p:nvSpPr>
+        <p:spPr>
+          <a:xfrm>
+            <a:off x="5967901" y="2070632"/>
+            <a:ext cx="568733" cy="276999"/>
+          </a:xfrm>
+          <a:prstGeom prst="rect">
+            <a:avLst/>
+          </a:prstGeom>
+          <a:noFill/>
+        </p:spPr>
+        <p:txBody>
+          <a:bodyPr wrap="square" rtlCol="0">
+            <a:spAutoFit/>
+          </a:bodyPr>
+          <a:lstStyle/>
+          <a:p>
+            <a:pPr algn="ctr">
+              <a:spcAft>
+                <a:spcPts val="600"/>
+              </a:spcAft>
+            </a:pPr>
+            <a:r>
+              <a:rPr lang="de-DE" sz="1200" dirty="0"/>
+              <a:t>I2S</a:t>
+            </a:r>
+          </a:p>
+        </p:txBody>
+      </p:sp>
+      <p:sp>
+        <p:nvSpPr>
+          <p:cNvPr id="30" name="Rectangle 29">
+            <a:extLst>
+              <a:ext uri="{FF2B5EF4-FFF2-40B4-BE49-F238E27FC236}">
+                <a16:creationId xmlns:a16="http://schemas.microsoft.com/office/drawing/2014/main" id="{346FB489-A0D3-D4CF-FF42-DA430F1BE843}"/>
+              </a:ext>
+            </a:extLst>
+          </p:cNvPr>
+          <p:cNvSpPr/>
+          <p:nvPr/>
+        </p:nvSpPr>
+        <p:spPr>
+          <a:xfrm rot="16200000">
+            <a:off x="4071414" y="4130531"/>
+            <a:ext cx="443844" cy="1060886"/>
+          </a:xfrm>
+          <a:prstGeom prst="rect">
+            <a:avLst/>
+          </a:prstGeom>
+          <a:noFill/>
+          <a:ln>
+            <a:solidFill>
+              <a:schemeClr val="tx1"/>
+            </a:solidFill>
+          </a:ln>
+        </p:spPr>
+        <p:style>
+          <a:lnRef idx="2">
+            <a:schemeClr val="accent1">
+              <a:shade val="50000"/>
+            </a:schemeClr>
+          </a:lnRef>
+          <a:fillRef idx="1">
+            <a:schemeClr val="accent1"/>
+          </a:fillRef>
+          <a:effectRef idx="0">
+            <a:schemeClr val="accent1"/>
+          </a:effectRef>
+          <a:fontRef idx="minor">
+            <a:schemeClr val="lt1"/>
+          </a:fontRef>
+        </p:style>
+        <p:txBody>
+          <a:bodyPr rtlCol="0" anchor="ctr"/>
+          <a:lstStyle/>
+          <a:p>
+            <a:pPr algn="ctr"/>
+            <a:endParaRPr lang="de-DE"/>
+          </a:p>
+        </p:txBody>
+      </p:sp>
+      <p:sp>
+        <p:nvSpPr>
+          <p:cNvPr id="31" name="TextBox 30">
+            <a:extLst>
+              <a:ext uri="{FF2B5EF4-FFF2-40B4-BE49-F238E27FC236}">
+                <a16:creationId xmlns:a16="http://schemas.microsoft.com/office/drawing/2014/main" id="{1A9441DB-01FD-5656-9554-3295534CE50D}"/>
+              </a:ext>
+            </a:extLst>
+          </p:cNvPr>
+          <p:cNvSpPr txBox="1"/>
+          <p:nvPr/>
+        </p:nvSpPr>
+        <p:spPr>
+          <a:xfrm rot="16200000">
+            <a:off x="3381705" y="4508919"/>
+            <a:ext cx="568733" cy="276999"/>
+          </a:xfrm>
+          <a:prstGeom prst="rect">
+            <a:avLst/>
+          </a:prstGeom>
+          <a:noFill/>
+        </p:spPr>
+        <p:txBody>
+          <a:bodyPr wrap="square" rtlCol="0">
+            <a:spAutoFit/>
+          </a:bodyPr>
+          <a:lstStyle/>
+          <a:p>
+            <a:pPr algn="ctr">
+              <a:spcAft>
+                <a:spcPts val="600"/>
+              </a:spcAft>
+            </a:pPr>
+            <a:r>
+              <a:rPr lang="de-DE" sz="1200" dirty="0"/>
+              <a:t>I2C</a:t>
+            </a:r>
+          </a:p>
+        </p:txBody>
+      </p:sp>
+      <p:sp>
+        <p:nvSpPr>
+          <p:cNvPr id="35" name="TextBox 34">
+            <a:extLst>
+              <a:ext uri="{FF2B5EF4-FFF2-40B4-BE49-F238E27FC236}">
+                <a16:creationId xmlns:a16="http://schemas.microsoft.com/office/drawing/2014/main" id="{7BE48A15-2489-7673-973C-D52458E6192E}"/>
+              </a:ext>
+            </a:extLst>
+          </p:cNvPr>
+          <p:cNvSpPr txBox="1"/>
+          <p:nvPr/>
+        </p:nvSpPr>
+        <p:spPr>
+          <a:xfrm>
+            <a:off x="5221943" y="4508917"/>
+            <a:ext cx="538938" cy="276999"/>
+          </a:xfrm>
+          <a:prstGeom prst="rect">
+            <a:avLst/>
+          </a:prstGeom>
+          <a:solidFill>
+            <a:schemeClr val="bg1"/>
+          </a:solidFill>
+        </p:spPr>
+        <p:txBody>
+          <a:bodyPr wrap="square" rtlCol="0">
+            <a:spAutoFit/>
+          </a:bodyPr>
+          <a:lstStyle/>
+          <a:p>
+            <a:pPr algn="ctr">
+              <a:spcAft>
+                <a:spcPts val="600"/>
+              </a:spcAft>
+            </a:pPr>
+            <a:r>
+              <a:rPr lang="de-DE" sz="1200" dirty="0"/>
+              <a:t>GPIO</a:t>
+            </a:r>
+          </a:p>
+        </p:txBody>
+      </p:sp>
     </p:spTree>
     <p:extLst>
       <p:ext uri="{BB962C8B-B14F-4D97-AF65-F5344CB8AC3E}">

--- a/Dokumentation/Architekturdiagramm.pptx
+++ b/Dokumentation/Architekturdiagramm.pptx
@@ -6,6 +6,7 @@
   </p:sldMasterIdLst>
   <p:sldIdLst>
     <p:sldId id="256" r:id="rId2"/>
+    <p:sldId id="257" r:id="rId3"/>
   </p:sldIdLst>
   <p:sldSz cx="12192000" cy="6858000"/>
   <p:notesSz cx="6858000" cy="9144000"/>
@@ -261,7 +262,7 @@
           <a:p>
             <a:fld id="{000A58DB-E811-C149-82B0-665592BD4B62}" type="datetimeFigureOut">
               <a:rPr lang="de-DE" smtClean="0"/>
-              <a:t>19.04.23</a:t>
+              <a:t>26.04.23</a:t>
             </a:fld>
             <a:endParaRPr lang="de-DE"/>
           </a:p>
@@ -461,7 +462,7 @@
           <a:p>
             <a:fld id="{000A58DB-E811-C149-82B0-665592BD4B62}" type="datetimeFigureOut">
               <a:rPr lang="de-DE" smtClean="0"/>
-              <a:t>19.04.23</a:t>
+              <a:t>26.04.23</a:t>
             </a:fld>
             <a:endParaRPr lang="de-DE"/>
           </a:p>
@@ -671,7 +672,7 @@
           <a:p>
             <a:fld id="{000A58DB-E811-C149-82B0-665592BD4B62}" type="datetimeFigureOut">
               <a:rPr lang="de-DE" smtClean="0"/>
-              <a:t>19.04.23</a:t>
+              <a:t>26.04.23</a:t>
             </a:fld>
             <a:endParaRPr lang="de-DE"/>
           </a:p>
@@ -871,7 +872,7 @@
           <a:p>
             <a:fld id="{000A58DB-E811-C149-82B0-665592BD4B62}" type="datetimeFigureOut">
               <a:rPr lang="de-DE" smtClean="0"/>
-              <a:t>19.04.23</a:t>
+              <a:t>26.04.23</a:t>
             </a:fld>
             <a:endParaRPr lang="de-DE"/>
           </a:p>
@@ -1147,7 +1148,7 @@
           <a:p>
             <a:fld id="{000A58DB-E811-C149-82B0-665592BD4B62}" type="datetimeFigureOut">
               <a:rPr lang="de-DE" smtClean="0"/>
-              <a:t>19.04.23</a:t>
+              <a:t>26.04.23</a:t>
             </a:fld>
             <a:endParaRPr lang="de-DE"/>
           </a:p>
@@ -1415,7 +1416,7 @@
           <a:p>
             <a:fld id="{000A58DB-E811-C149-82B0-665592BD4B62}" type="datetimeFigureOut">
               <a:rPr lang="de-DE" smtClean="0"/>
-              <a:t>19.04.23</a:t>
+              <a:t>26.04.23</a:t>
             </a:fld>
             <a:endParaRPr lang="de-DE"/>
           </a:p>
@@ -1830,7 +1831,7 @@
           <a:p>
             <a:fld id="{000A58DB-E811-C149-82B0-665592BD4B62}" type="datetimeFigureOut">
               <a:rPr lang="de-DE" smtClean="0"/>
-              <a:t>19.04.23</a:t>
+              <a:t>26.04.23</a:t>
             </a:fld>
             <a:endParaRPr lang="de-DE"/>
           </a:p>
@@ -1972,7 +1973,7 @@
           <a:p>
             <a:fld id="{000A58DB-E811-C149-82B0-665592BD4B62}" type="datetimeFigureOut">
               <a:rPr lang="de-DE" smtClean="0"/>
-              <a:t>19.04.23</a:t>
+              <a:t>26.04.23</a:t>
             </a:fld>
             <a:endParaRPr lang="de-DE"/>
           </a:p>
@@ -2085,7 +2086,7 @@
           <a:p>
             <a:fld id="{000A58DB-E811-C149-82B0-665592BD4B62}" type="datetimeFigureOut">
               <a:rPr lang="de-DE" smtClean="0"/>
-              <a:t>19.04.23</a:t>
+              <a:t>26.04.23</a:t>
             </a:fld>
             <a:endParaRPr lang="de-DE"/>
           </a:p>
@@ -2398,7 +2399,7 @@
           <a:p>
             <a:fld id="{000A58DB-E811-C149-82B0-665592BD4B62}" type="datetimeFigureOut">
               <a:rPr lang="de-DE" smtClean="0"/>
-              <a:t>19.04.23</a:t>
+              <a:t>26.04.23</a:t>
             </a:fld>
             <a:endParaRPr lang="de-DE"/>
           </a:p>
@@ -2687,7 +2688,7 @@
           <a:p>
             <a:fld id="{000A58DB-E811-C149-82B0-665592BD4B62}" type="datetimeFigureOut">
               <a:rPr lang="de-DE" smtClean="0"/>
-              <a:t>19.04.23</a:t>
+              <a:t>26.04.23</a:t>
             </a:fld>
             <a:endParaRPr lang="de-DE"/>
           </a:p>
@@ -2930,7 +2931,7 @@
           <a:p>
             <a:fld id="{000A58DB-E811-C149-82B0-665592BD4B62}" type="datetimeFigureOut">
               <a:rPr lang="de-DE" smtClean="0"/>
-              <a:t>19.04.23</a:t>
+              <a:t>26.04.23</a:t>
             </a:fld>
             <a:endParaRPr lang="de-DE"/>
           </a:p>
@@ -3495,15 +3496,16 @@
           <a:p>
             <a:pPr algn="ctr"/>
             <a:r>
+              <a:rPr lang="de-DE" dirty="0" err="1"/>
+              <a:t>Espressif</a:t>
+            </a:r>
+            <a:endParaRPr lang="de-DE" dirty="0"/>
+          </a:p>
+          <a:p>
+            <a:pPr algn="ctr"/>
+            <a:r>
               <a:rPr lang="de-DE" dirty="0"/>
-              <a:t>Adafruit HUZZAH32</a:t>
-            </a:r>
-          </a:p>
-          <a:p>
-            <a:pPr algn="ctr"/>
-            <a:r>
-              <a:rPr lang="de-DE" dirty="0"/>
-              <a:t>(ESP-32)</a:t>
+              <a:t>ESP32-S3-WROOM-1</a:t>
             </a:r>
           </a:p>
         </p:txBody>
@@ -5683,8 +5685,8 @@
         </p:nvSpPr>
         <p:spPr>
           <a:xfrm>
-            <a:off x="5957227" y="2323039"/>
-            <a:ext cx="606730" cy="1133348"/>
+            <a:off x="6014451" y="2323039"/>
+            <a:ext cx="492282" cy="1133348"/>
           </a:xfrm>
           <a:prstGeom prst="rect">
             <a:avLst/>
@@ -5899,6 +5901,1415 @@
     <p:extLst>
       <p:ext uri="{BB962C8B-B14F-4D97-AF65-F5344CB8AC3E}">
         <p14:creationId xmlns:p14="http://schemas.microsoft.com/office/powerpoint/2010/main" val="168857632"/>
+      </p:ext>
+    </p:extLst>
+  </p:cSld>
+  <p:clrMapOvr>
+    <a:masterClrMapping/>
+  </p:clrMapOvr>
+</p:sld>
+</file>
+
+<file path=ppt/slides/slide2.xml><?xml version="1.0" encoding="utf-8"?>
+<p:sld xmlns:a="http://schemas.openxmlformats.org/drawingml/2006/main" xmlns:r="http://schemas.openxmlformats.org/officeDocument/2006/relationships" xmlns:p="http://schemas.openxmlformats.org/presentationml/2006/main">
+  <p:cSld>
+    <p:spTree>
+      <p:nvGrpSpPr>
+        <p:cNvPr id="1" name=""/>
+        <p:cNvGrpSpPr/>
+        <p:nvPr/>
+      </p:nvGrpSpPr>
+      <p:grpSpPr>
+        <a:xfrm>
+          <a:off x="0" y="0"/>
+          <a:ext cx="0" cy="0"/>
+          <a:chOff x="0" y="0"/>
+          <a:chExt cx="0" cy="0"/>
+        </a:xfrm>
+      </p:grpSpPr>
+      <p:sp>
+        <p:nvSpPr>
+          <p:cNvPr id="2" name="Title 1">
+            <a:extLst>
+              <a:ext uri="{FF2B5EF4-FFF2-40B4-BE49-F238E27FC236}">
+                <a16:creationId xmlns:a16="http://schemas.microsoft.com/office/drawing/2014/main" id="{C2EA5879-ED4F-C78F-07BF-4FFAFFD08AF3}"/>
+              </a:ext>
+            </a:extLst>
+          </p:cNvPr>
+          <p:cNvSpPr>
+            <a:spLocks noGrp="1"/>
+          </p:cNvSpPr>
+          <p:nvPr>
+            <p:ph type="title"/>
+          </p:nvPr>
+        </p:nvSpPr>
+        <p:spPr>
+          <a:xfrm>
+            <a:off x="838200" y="365125"/>
+            <a:ext cx="10515600" cy="750443"/>
+          </a:xfrm>
+        </p:spPr>
+        <p:txBody>
+          <a:bodyPr>
+            <a:normAutofit/>
+          </a:bodyPr>
+          <a:lstStyle/>
+          <a:p>
+            <a:pPr algn="ctr"/>
+            <a:r>
+              <a:rPr lang="de-DE" dirty="0" err="1"/>
+              <a:t>Pinout</a:t>
+            </a:r>
+            <a:endParaRPr lang="de-DE" dirty="0"/>
+          </a:p>
+        </p:txBody>
+      </p:sp>
+      <p:graphicFrame>
+        <p:nvGraphicFramePr>
+          <p:cNvPr id="3" name="Table 3">
+            <a:extLst>
+              <a:ext uri="{FF2B5EF4-FFF2-40B4-BE49-F238E27FC236}">
+                <a16:creationId xmlns:a16="http://schemas.microsoft.com/office/drawing/2014/main" id="{F8F1E4A3-DF00-F1BC-A447-A9D53882D314}"/>
+              </a:ext>
+            </a:extLst>
+          </p:cNvPr>
+          <p:cNvGraphicFramePr>
+            <a:graphicFrameLocks noGrp="1"/>
+          </p:cNvGraphicFramePr>
+          <p:nvPr>
+            <p:extLst>
+              <p:ext uri="{D42A27DB-BD31-4B8C-83A1-F6EECF244321}">
+                <p14:modId xmlns:p14="http://schemas.microsoft.com/office/powerpoint/2010/main" val="1924227937"/>
+              </p:ext>
+            </p:extLst>
+          </p:nvPr>
+        </p:nvGraphicFramePr>
+        <p:xfrm>
+          <a:off x="9032494" y="1276171"/>
+          <a:ext cx="2964434" cy="1483360"/>
+        </p:xfrm>
+        <a:graphic>
+          <a:graphicData uri="http://schemas.openxmlformats.org/drawingml/2006/table">
+            <a:tbl>
+              <a:tblPr firstRow="1" bandRow="1">
+                <a:tableStyleId>{5C22544A-7EE6-4342-B048-85BDC9FD1C3A}</a:tableStyleId>
+              </a:tblPr>
+              <a:tblGrid>
+                <a:gridCol w="1150728">
+                  <a:extLst>
+                    <a:ext uri="{9D8B030D-6E8A-4147-A177-3AD203B41FA5}">
+                      <a16:colId xmlns:a16="http://schemas.microsoft.com/office/drawing/2014/main" val="3013302737"/>
+                    </a:ext>
+                  </a:extLst>
+                </a:gridCol>
+                <a:gridCol w="1813706">
+                  <a:extLst>
+                    <a:ext uri="{9D8B030D-6E8A-4147-A177-3AD203B41FA5}">
+                      <a16:colId xmlns:a16="http://schemas.microsoft.com/office/drawing/2014/main" val="358381003"/>
+                    </a:ext>
+                  </a:extLst>
+                </a:gridCol>
+              </a:tblGrid>
+              <a:tr h="370840">
+                <a:tc>
+                  <a:txBody>
+                    <a:bodyPr/>
+                    <a:lstStyle/>
+                    <a:p>
+                      <a:r>
+                        <a:rPr lang="de-DE" dirty="0"/>
+                        <a:t>ESP32</a:t>
+                      </a:r>
+                    </a:p>
+                  </a:txBody>
+                  <a:tcPr/>
+                </a:tc>
+                <a:tc>
+                  <a:txBody>
+                    <a:bodyPr/>
+                    <a:lstStyle/>
+                    <a:p>
+                      <a:pPr marL="0" marR="0" lvl="0" indent="0" algn="l" defTabSz="914400" rtl="0" eaLnBrk="1" fontAlgn="auto" latinLnBrk="0" hangingPunct="1">
+                        <a:lnSpc>
+                          <a:spcPct val="100000"/>
+                        </a:lnSpc>
+                        <a:spcBef>
+                          <a:spcPts val="0"/>
+                        </a:spcBef>
+                        <a:spcAft>
+                          <a:spcPts val="0"/>
+                        </a:spcAft>
+                        <a:buClrTx/>
+                        <a:buSzTx/>
+                        <a:buFontTx/>
+                        <a:buNone/>
+                        <a:tabLst/>
+                        <a:defRPr/>
+                      </a:pPr>
+                      <a:r>
+                        <a:rPr lang="en-GB" sz="1800" b="1" kern="1200" dirty="0">
+                          <a:solidFill>
+                            <a:schemeClr val="lt1"/>
+                          </a:solidFill>
+                          <a:effectLst/>
+                          <a:latin typeface="+mn-lt"/>
+                          <a:ea typeface="+mn-ea"/>
+                          <a:cs typeface="+mn-cs"/>
+                        </a:rPr>
+                        <a:t>UDA1334A </a:t>
+                      </a:r>
+                      <a:endParaRPr lang="en-GB" dirty="0">
+                        <a:effectLst/>
+                      </a:endParaRPr>
+                    </a:p>
+                  </a:txBody>
+                  <a:tcPr/>
+                </a:tc>
+                <a:extLst>
+                  <a:ext uri="{0D108BD9-81ED-4DB2-BD59-A6C34878D82A}">
+                    <a16:rowId xmlns:a16="http://schemas.microsoft.com/office/drawing/2014/main" val="2303993578"/>
+                  </a:ext>
+                </a:extLst>
+              </a:tr>
+              <a:tr h="370840">
+                <a:tc>
+                  <a:txBody>
+                    <a:bodyPr/>
+                    <a:lstStyle/>
+                    <a:p>
+                      <a:r>
+                        <a:rPr kumimoji="0" lang="de-DE" sz="1800" b="0" i="1" u="none" strike="noStrike" kern="1200" cap="none" spc="0" normalizeH="0" baseline="0" noProof="0">
+                          <a:ln>
+                            <a:noFill/>
+                          </a:ln>
+                          <a:solidFill>
+                            <a:prstClr val="black"/>
+                          </a:solidFill>
+                          <a:effectLst/>
+                          <a:uLnTx/>
+                          <a:uFillTx/>
+                          <a:latin typeface="Calibri" panose="020F0502020204030204"/>
+                          <a:ea typeface="+mn-ea"/>
+                          <a:cs typeface="+mn-cs"/>
+                        </a:rPr>
+                        <a:t>any GPIO</a:t>
+                      </a:r>
+                      <a:endParaRPr lang="de-DE" i="1" dirty="0"/>
+                    </a:p>
+                  </a:txBody>
+                  <a:tcPr/>
+                </a:tc>
+                <a:tc>
+                  <a:txBody>
+                    <a:bodyPr/>
+                    <a:lstStyle/>
+                    <a:p>
+                      <a:r>
+                        <a:rPr lang="de-DE" dirty="0"/>
+                        <a:t>6 / SYSCLK/PLL1</a:t>
+                      </a:r>
+                    </a:p>
+                  </a:txBody>
+                  <a:tcPr/>
+                </a:tc>
+                <a:extLst>
+                  <a:ext uri="{0D108BD9-81ED-4DB2-BD59-A6C34878D82A}">
+                    <a16:rowId xmlns:a16="http://schemas.microsoft.com/office/drawing/2014/main" val="2167041203"/>
+                  </a:ext>
+                </a:extLst>
+              </a:tr>
+              <a:tr h="370840">
+                <a:tc>
+                  <a:txBody>
+                    <a:bodyPr/>
+                    <a:lstStyle/>
+                    <a:p>
+                      <a:r>
+                        <a:rPr kumimoji="0" lang="de-DE" sz="1800" b="0" i="1" u="none" strike="noStrike" kern="1200" cap="none" spc="0" normalizeH="0" baseline="0" noProof="0">
+                          <a:ln>
+                            <a:noFill/>
+                          </a:ln>
+                          <a:solidFill>
+                            <a:prstClr val="black"/>
+                          </a:solidFill>
+                          <a:effectLst/>
+                          <a:uLnTx/>
+                          <a:uFillTx/>
+                          <a:latin typeface="Calibri" panose="020F0502020204030204"/>
+                          <a:ea typeface="+mn-ea"/>
+                          <a:cs typeface="+mn-cs"/>
+                        </a:rPr>
+                        <a:t>any GPIO</a:t>
+                      </a:r>
+                      <a:endParaRPr lang="de-DE" i="1" dirty="0"/>
+                    </a:p>
+                  </a:txBody>
+                  <a:tcPr/>
+                </a:tc>
+                <a:tc>
+                  <a:txBody>
+                    <a:bodyPr/>
+                    <a:lstStyle/>
+                    <a:p>
+                      <a:r>
+                        <a:rPr lang="de-DE" dirty="0"/>
+                        <a:t>2 / WS</a:t>
+                      </a:r>
+                    </a:p>
+                  </a:txBody>
+                  <a:tcPr/>
+                </a:tc>
+                <a:extLst>
+                  <a:ext uri="{0D108BD9-81ED-4DB2-BD59-A6C34878D82A}">
+                    <a16:rowId xmlns:a16="http://schemas.microsoft.com/office/drawing/2014/main" val="1341613874"/>
+                  </a:ext>
+                </a:extLst>
+              </a:tr>
+              <a:tr h="370840">
+                <a:tc>
+                  <a:txBody>
+                    <a:bodyPr/>
+                    <a:lstStyle/>
+                    <a:p>
+                      <a:r>
+                        <a:rPr kumimoji="0" lang="de-DE" sz="1800" b="0" i="1" u="none" strike="noStrike" kern="1200" cap="none" spc="0" normalizeH="0" baseline="0" noProof="0" dirty="0" err="1">
+                          <a:ln>
+                            <a:noFill/>
+                          </a:ln>
+                          <a:solidFill>
+                            <a:prstClr val="black"/>
+                          </a:solidFill>
+                          <a:effectLst/>
+                          <a:uLnTx/>
+                          <a:uFillTx/>
+                          <a:latin typeface="Calibri" panose="020F0502020204030204"/>
+                          <a:ea typeface="+mn-ea"/>
+                          <a:cs typeface="+mn-cs"/>
+                        </a:rPr>
+                        <a:t>any</a:t>
+                      </a:r>
+                      <a:r>
+                        <a:rPr kumimoji="0" lang="de-DE" sz="1800" b="0" i="1" u="none" strike="noStrike" kern="1200" cap="none" spc="0" normalizeH="0" baseline="0" noProof="0" dirty="0">
+                          <a:ln>
+                            <a:noFill/>
+                          </a:ln>
+                          <a:solidFill>
+                            <a:prstClr val="black"/>
+                          </a:solidFill>
+                          <a:effectLst/>
+                          <a:uLnTx/>
+                          <a:uFillTx/>
+                          <a:latin typeface="Calibri" panose="020F0502020204030204"/>
+                          <a:ea typeface="+mn-ea"/>
+                          <a:cs typeface="+mn-cs"/>
+                        </a:rPr>
+                        <a:t> GPIO</a:t>
+                      </a:r>
+                      <a:endParaRPr lang="de-DE" i="1" dirty="0"/>
+                    </a:p>
+                  </a:txBody>
+                  <a:tcPr/>
+                </a:tc>
+                <a:tc>
+                  <a:txBody>
+                    <a:bodyPr/>
+                    <a:lstStyle/>
+                    <a:p>
+                      <a:r>
+                        <a:rPr lang="de-DE" dirty="0"/>
+                        <a:t>3 / DATA</a:t>
+                      </a:r>
+                    </a:p>
+                  </a:txBody>
+                  <a:tcPr/>
+                </a:tc>
+                <a:extLst>
+                  <a:ext uri="{0D108BD9-81ED-4DB2-BD59-A6C34878D82A}">
+                    <a16:rowId xmlns:a16="http://schemas.microsoft.com/office/drawing/2014/main" val="3190790546"/>
+                  </a:ext>
+                </a:extLst>
+              </a:tr>
+            </a:tbl>
+          </a:graphicData>
+        </a:graphic>
+      </p:graphicFrame>
+      <p:graphicFrame>
+        <p:nvGraphicFramePr>
+          <p:cNvPr id="4" name="Table 3">
+            <a:extLst>
+              <a:ext uri="{FF2B5EF4-FFF2-40B4-BE49-F238E27FC236}">
+                <a16:creationId xmlns:a16="http://schemas.microsoft.com/office/drawing/2014/main" id="{AC035363-B23E-8AC1-C6EF-10B5473DA25E}"/>
+              </a:ext>
+            </a:extLst>
+          </p:cNvPr>
+          <p:cNvGraphicFramePr>
+            <a:graphicFrameLocks noGrp="1"/>
+          </p:cNvGraphicFramePr>
+          <p:nvPr>
+            <p:extLst>
+              <p:ext uri="{D42A27DB-BD31-4B8C-83A1-F6EECF244321}">
+                <p14:modId xmlns:p14="http://schemas.microsoft.com/office/powerpoint/2010/main" val="3393607581"/>
+              </p:ext>
+            </p:extLst>
+          </p:nvPr>
+        </p:nvGraphicFramePr>
+        <p:xfrm>
+          <a:off x="4878324" y="3317542"/>
+          <a:ext cx="2444496" cy="1112520"/>
+        </p:xfrm>
+        <a:graphic>
+          <a:graphicData uri="http://schemas.openxmlformats.org/drawingml/2006/table">
+            <a:tbl>
+              <a:tblPr firstRow="1" bandRow="1">
+                <a:tableStyleId>{5C22544A-7EE6-4342-B048-85BDC9FD1C3A}</a:tableStyleId>
+              </a:tblPr>
+              <a:tblGrid>
+                <a:gridCol w="1310640">
+                  <a:extLst>
+                    <a:ext uri="{9D8B030D-6E8A-4147-A177-3AD203B41FA5}">
+                      <a16:colId xmlns:a16="http://schemas.microsoft.com/office/drawing/2014/main" val="3013302737"/>
+                    </a:ext>
+                  </a:extLst>
+                </a:gridCol>
+                <a:gridCol w="1133856">
+                  <a:extLst>
+                    <a:ext uri="{9D8B030D-6E8A-4147-A177-3AD203B41FA5}">
+                      <a16:colId xmlns:a16="http://schemas.microsoft.com/office/drawing/2014/main" val="358381003"/>
+                    </a:ext>
+                  </a:extLst>
+                </a:gridCol>
+              </a:tblGrid>
+              <a:tr h="370840">
+                <a:tc>
+                  <a:txBody>
+                    <a:bodyPr/>
+                    <a:lstStyle/>
+                    <a:p>
+                      <a:r>
+                        <a:rPr lang="en-GB" sz="1800" b="1" kern="1200" dirty="0">
+                          <a:solidFill>
+                            <a:schemeClr val="lt1"/>
+                          </a:solidFill>
+                          <a:effectLst/>
+                          <a:latin typeface="+mn-lt"/>
+                          <a:ea typeface="+mn-ea"/>
+                          <a:cs typeface="+mn-cs"/>
+                        </a:rPr>
+                        <a:t>ESP32</a:t>
+                      </a:r>
+                      <a:endParaRPr lang="en-GB" dirty="0">
+                        <a:effectLst/>
+                      </a:endParaRPr>
+                    </a:p>
+                  </a:txBody>
+                  <a:tcPr/>
+                </a:tc>
+                <a:tc>
+                  <a:txBody>
+                    <a:bodyPr/>
+                    <a:lstStyle/>
+                    <a:p>
+                      <a:r>
+                        <a:rPr lang="en-GB" sz="1800" b="1" kern="1200" dirty="0">
+                          <a:solidFill>
+                            <a:schemeClr val="lt1"/>
+                          </a:solidFill>
+                          <a:effectLst/>
+                          <a:latin typeface="+mn-lt"/>
+                          <a:ea typeface="+mn-ea"/>
+                          <a:cs typeface="+mn-cs"/>
+                        </a:rPr>
+                        <a:t>CP2104</a:t>
+                      </a:r>
+                      <a:endParaRPr lang="en-GB" dirty="0">
+                        <a:effectLst/>
+                      </a:endParaRPr>
+                    </a:p>
+                  </a:txBody>
+                  <a:tcPr/>
+                </a:tc>
+                <a:extLst>
+                  <a:ext uri="{0D108BD9-81ED-4DB2-BD59-A6C34878D82A}">
+                    <a16:rowId xmlns:a16="http://schemas.microsoft.com/office/drawing/2014/main" val="2303993578"/>
+                  </a:ext>
+                </a:extLst>
+              </a:tr>
+              <a:tr h="370840">
+                <a:tc>
+                  <a:txBody>
+                    <a:bodyPr/>
+                    <a:lstStyle/>
+                    <a:p>
+                      <a:r>
+                        <a:rPr lang="de-DE" dirty="0"/>
+                        <a:t>36 / RXD0</a:t>
+                      </a:r>
+                    </a:p>
+                  </a:txBody>
+                  <a:tcPr/>
+                </a:tc>
+                <a:tc>
+                  <a:txBody>
+                    <a:bodyPr/>
+                    <a:lstStyle/>
+                    <a:p>
+                      <a:r>
+                        <a:rPr lang="de-DE" dirty="0"/>
+                        <a:t>20 / RXD</a:t>
+                      </a:r>
+                    </a:p>
+                  </a:txBody>
+                  <a:tcPr/>
+                </a:tc>
+                <a:extLst>
+                  <a:ext uri="{0D108BD9-81ED-4DB2-BD59-A6C34878D82A}">
+                    <a16:rowId xmlns:a16="http://schemas.microsoft.com/office/drawing/2014/main" val="2167041203"/>
+                  </a:ext>
+                </a:extLst>
+              </a:tr>
+              <a:tr h="370840">
+                <a:tc>
+                  <a:txBody>
+                    <a:bodyPr/>
+                    <a:lstStyle/>
+                    <a:p>
+                      <a:r>
+                        <a:rPr lang="de-DE" dirty="0"/>
+                        <a:t>37 / TXD0</a:t>
+                      </a:r>
+                    </a:p>
+                  </a:txBody>
+                  <a:tcPr/>
+                </a:tc>
+                <a:tc>
+                  <a:txBody>
+                    <a:bodyPr/>
+                    <a:lstStyle/>
+                    <a:p>
+                      <a:r>
+                        <a:rPr lang="de-DE" dirty="0"/>
+                        <a:t>21 / TXD</a:t>
+                      </a:r>
+                    </a:p>
+                  </a:txBody>
+                  <a:tcPr/>
+                </a:tc>
+                <a:extLst>
+                  <a:ext uri="{0D108BD9-81ED-4DB2-BD59-A6C34878D82A}">
+                    <a16:rowId xmlns:a16="http://schemas.microsoft.com/office/drawing/2014/main" val="1341613874"/>
+                  </a:ext>
+                </a:extLst>
+              </a:tr>
+            </a:tbl>
+          </a:graphicData>
+        </a:graphic>
+      </p:graphicFrame>
+      <p:graphicFrame>
+        <p:nvGraphicFramePr>
+          <p:cNvPr id="5" name="Table 3">
+            <a:extLst>
+              <a:ext uri="{FF2B5EF4-FFF2-40B4-BE49-F238E27FC236}">
+                <a16:creationId xmlns:a16="http://schemas.microsoft.com/office/drawing/2014/main" id="{EE0A8F6D-42A4-4C05-A048-B1C89B950B14}"/>
+              </a:ext>
+            </a:extLst>
+          </p:cNvPr>
+          <p:cNvGraphicFramePr>
+            <a:graphicFrameLocks noGrp="1"/>
+          </p:cNvGraphicFramePr>
+          <p:nvPr>
+            <p:extLst>
+              <p:ext uri="{D42A27DB-BD31-4B8C-83A1-F6EECF244321}">
+                <p14:modId xmlns:p14="http://schemas.microsoft.com/office/powerpoint/2010/main" val="588968058"/>
+              </p:ext>
+            </p:extLst>
+          </p:nvPr>
+        </p:nvGraphicFramePr>
+        <p:xfrm>
+          <a:off x="631063" y="1276171"/>
+          <a:ext cx="2528443" cy="2225040"/>
+        </p:xfrm>
+        <a:graphic>
+          <a:graphicData uri="http://schemas.openxmlformats.org/drawingml/2006/table">
+            <a:tbl>
+              <a:tblPr firstRow="1" bandRow="1">
+                <a:tableStyleId>{5C22544A-7EE6-4342-B048-85BDC9FD1C3A}</a:tableStyleId>
+              </a:tblPr>
+              <a:tblGrid>
+                <a:gridCol w="1088390">
+                  <a:extLst>
+                    <a:ext uri="{9D8B030D-6E8A-4147-A177-3AD203B41FA5}">
+                      <a16:colId xmlns:a16="http://schemas.microsoft.com/office/drawing/2014/main" val="3013302737"/>
+                    </a:ext>
+                  </a:extLst>
+                </a:gridCol>
+                <a:gridCol w="1440053">
+                  <a:extLst>
+                    <a:ext uri="{9D8B030D-6E8A-4147-A177-3AD203B41FA5}">
+                      <a16:colId xmlns:a16="http://schemas.microsoft.com/office/drawing/2014/main" val="358381003"/>
+                    </a:ext>
+                  </a:extLst>
+                </a:gridCol>
+              </a:tblGrid>
+              <a:tr h="370840">
+                <a:tc>
+                  <a:txBody>
+                    <a:bodyPr/>
+                    <a:lstStyle/>
+                    <a:p>
+                      <a:r>
+                        <a:rPr lang="de-DE" dirty="0"/>
+                        <a:t>ESP32</a:t>
+                      </a:r>
+                    </a:p>
+                  </a:txBody>
+                  <a:tcPr/>
+                </a:tc>
+                <a:tc>
+                  <a:txBody>
+                    <a:bodyPr/>
+                    <a:lstStyle/>
+                    <a:p>
+                      <a:r>
+                        <a:rPr lang="de-DE" dirty="0"/>
+                        <a:t>Button / LED</a:t>
+                      </a:r>
+                    </a:p>
+                  </a:txBody>
+                  <a:tcPr/>
+                </a:tc>
+                <a:extLst>
+                  <a:ext uri="{0D108BD9-81ED-4DB2-BD59-A6C34878D82A}">
+                    <a16:rowId xmlns:a16="http://schemas.microsoft.com/office/drawing/2014/main" val="2303993578"/>
+                  </a:ext>
+                </a:extLst>
+              </a:tr>
+              <a:tr h="370840">
+                <a:tc>
+                  <a:txBody>
+                    <a:bodyPr/>
+                    <a:lstStyle/>
+                    <a:p>
+                      <a:r>
+                        <a:rPr kumimoji="0" lang="de-DE" sz="1800" b="0" i="1" u="none" strike="noStrike" kern="1200" cap="none" spc="0" normalizeH="0" baseline="0" noProof="0">
+                          <a:ln>
+                            <a:noFill/>
+                          </a:ln>
+                          <a:solidFill>
+                            <a:prstClr val="black"/>
+                          </a:solidFill>
+                          <a:effectLst/>
+                          <a:uLnTx/>
+                          <a:uFillTx/>
+                          <a:latin typeface="Calibri" panose="020F0502020204030204"/>
+                          <a:ea typeface="+mn-ea"/>
+                          <a:cs typeface="+mn-cs"/>
+                        </a:rPr>
+                        <a:t>any GPIO</a:t>
+                      </a:r>
+                      <a:endParaRPr lang="de-DE" i="1" dirty="0"/>
+                    </a:p>
+                  </a:txBody>
+                  <a:tcPr/>
+                </a:tc>
+                <a:tc>
+                  <a:txBody>
+                    <a:bodyPr/>
+                    <a:lstStyle/>
+                    <a:p>
+                      <a:r>
+                        <a:rPr lang="de-DE" dirty="0"/>
+                        <a:t>PLAY</a:t>
+                      </a:r>
+                    </a:p>
+                  </a:txBody>
+                  <a:tcPr/>
+                </a:tc>
+                <a:extLst>
+                  <a:ext uri="{0D108BD9-81ED-4DB2-BD59-A6C34878D82A}">
+                    <a16:rowId xmlns:a16="http://schemas.microsoft.com/office/drawing/2014/main" val="2167041203"/>
+                  </a:ext>
+                </a:extLst>
+              </a:tr>
+              <a:tr h="370840">
+                <a:tc>
+                  <a:txBody>
+                    <a:bodyPr/>
+                    <a:lstStyle/>
+                    <a:p>
+                      <a:r>
+                        <a:rPr kumimoji="0" lang="de-DE" sz="1800" b="0" i="1" u="none" strike="noStrike" kern="1200" cap="none" spc="0" normalizeH="0" baseline="0" noProof="0">
+                          <a:ln>
+                            <a:noFill/>
+                          </a:ln>
+                          <a:solidFill>
+                            <a:prstClr val="black"/>
+                          </a:solidFill>
+                          <a:effectLst/>
+                          <a:uLnTx/>
+                          <a:uFillTx/>
+                          <a:latin typeface="Calibri" panose="020F0502020204030204"/>
+                          <a:ea typeface="+mn-ea"/>
+                          <a:cs typeface="+mn-cs"/>
+                        </a:rPr>
+                        <a:t>any GPIO</a:t>
+                      </a:r>
+                      <a:endParaRPr lang="de-DE" i="1" dirty="0"/>
+                    </a:p>
+                  </a:txBody>
+                  <a:tcPr/>
+                </a:tc>
+                <a:tc>
+                  <a:txBody>
+                    <a:bodyPr/>
+                    <a:lstStyle/>
+                    <a:p>
+                      <a:r>
+                        <a:rPr lang="de-DE" dirty="0"/>
+                        <a:t>PAUSE</a:t>
+                      </a:r>
+                    </a:p>
+                  </a:txBody>
+                  <a:tcPr/>
+                </a:tc>
+                <a:extLst>
+                  <a:ext uri="{0D108BD9-81ED-4DB2-BD59-A6C34878D82A}">
+                    <a16:rowId xmlns:a16="http://schemas.microsoft.com/office/drawing/2014/main" val="1341613874"/>
+                  </a:ext>
+                </a:extLst>
+              </a:tr>
+              <a:tr h="370840">
+                <a:tc>
+                  <a:txBody>
+                    <a:bodyPr/>
+                    <a:lstStyle/>
+                    <a:p>
+                      <a:r>
+                        <a:rPr kumimoji="0" lang="de-DE" sz="1800" b="0" i="1" u="none" strike="noStrike" kern="1200" cap="none" spc="0" normalizeH="0" baseline="0" noProof="0">
+                          <a:ln>
+                            <a:noFill/>
+                          </a:ln>
+                          <a:solidFill>
+                            <a:prstClr val="black"/>
+                          </a:solidFill>
+                          <a:effectLst/>
+                          <a:uLnTx/>
+                          <a:uFillTx/>
+                          <a:latin typeface="Calibri" panose="020F0502020204030204"/>
+                          <a:ea typeface="+mn-ea"/>
+                          <a:cs typeface="+mn-cs"/>
+                        </a:rPr>
+                        <a:t>any GPIO</a:t>
+                      </a:r>
+                      <a:endParaRPr lang="de-DE" i="1" dirty="0"/>
+                    </a:p>
+                  </a:txBody>
+                  <a:tcPr/>
+                </a:tc>
+                <a:tc>
+                  <a:txBody>
+                    <a:bodyPr/>
+                    <a:lstStyle/>
+                    <a:p>
+                      <a:r>
+                        <a:rPr lang="de-DE" dirty="0"/>
+                        <a:t>NEXT</a:t>
+                      </a:r>
+                    </a:p>
+                  </a:txBody>
+                  <a:tcPr/>
+                </a:tc>
+                <a:extLst>
+                  <a:ext uri="{0D108BD9-81ED-4DB2-BD59-A6C34878D82A}">
+                    <a16:rowId xmlns:a16="http://schemas.microsoft.com/office/drawing/2014/main" val="550936383"/>
+                  </a:ext>
+                </a:extLst>
+              </a:tr>
+              <a:tr h="370840">
+                <a:tc>
+                  <a:txBody>
+                    <a:bodyPr/>
+                    <a:lstStyle/>
+                    <a:p>
+                      <a:r>
+                        <a:rPr kumimoji="0" lang="de-DE" sz="1800" b="0" i="1" u="none" strike="noStrike" kern="1200" cap="none" spc="0" normalizeH="0" baseline="0" noProof="0">
+                          <a:ln>
+                            <a:noFill/>
+                          </a:ln>
+                          <a:solidFill>
+                            <a:prstClr val="black"/>
+                          </a:solidFill>
+                          <a:effectLst/>
+                          <a:uLnTx/>
+                          <a:uFillTx/>
+                          <a:latin typeface="Calibri" panose="020F0502020204030204"/>
+                          <a:ea typeface="+mn-ea"/>
+                          <a:cs typeface="+mn-cs"/>
+                        </a:rPr>
+                        <a:t>any GPIO</a:t>
+                      </a:r>
+                      <a:endParaRPr lang="de-DE" i="1" dirty="0"/>
+                    </a:p>
+                  </a:txBody>
+                  <a:tcPr/>
+                </a:tc>
+                <a:tc>
+                  <a:txBody>
+                    <a:bodyPr/>
+                    <a:lstStyle/>
+                    <a:p>
+                      <a:r>
+                        <a:rPr lang="de-DE" dirty="0"/>
+                        <a:t>PREV</a:t>
+                      </a:r>
+                    </a:p>
+                  </a:txBody>
+                  <a:tcPr/>
+                </a:tc>
+                <a:extLst>
+                  <a:ext uri="{0D108BD9-81ED-4DB2-BD59-A6C34878D82A}">
+                    <a16:rowId xmlns:a16="http://schemas.microsoft.com/office/drawing/2014/main" val="3190790546"/>
+                  </a:ext>
+                </a:extLst>
+              </a:tr>
+              <a:tr h="370840">
+                <a:tc>
+                  <a:txBody>
+                    <a:bodyPr/>
+                    <a:lstStyle/>
+                    <a:p>
+                      <a:r>
+                        <a:rPr kumimoji="0" lang="de-DE" sz="1800" b="0" i="1" u="none" strike="noStrike" kern="1200" cap="none" spc="0" normalizeH="0" baseline="0" noProof="0" dirty="0" err="1">
+                          <a:ln>
+                            <a:noFill/>
+                          </a:ln>
+                          <a:solidFill>
+                            <a:prstClr val="black"/>
+                          </a:solidFill>
+                          <a:effectLst/>
+                          <a:uLnTx/>
+                          <a:uFillTx/>
+                          <a:latin typeface="Calibri" panose="020F0502020204030204"/>
+                          <a:ea typeface="+mn-ea"/>
+                          <a:cs typeface="+mn-cs"/>
+                        </a:rPr>
+                        <a:t>any</a:t>
+                      </a:r>
+                      <a:r>
+                        <a:rPr kumimoji="0" lang="de-DE" sz="1800" b="0" i="1" u="none" strike="noStrike" kern="1200" cap="none" spc="0" normalizeH="0" baseline="0" noProof="0" dirty="0">
+                          <a:ln>
+                            <a:noFill/>
+                          </a:ln>
+                          <a:solidFill>
+                            <a:prstClr val="black"/>
+                          </a:solidFill>
+                          <a:effectLst/>
+                          <a:uLnTx/>
+                          <a:uFillTx/>
+                          <a:latin typeface="Calibri" panose="020F0502020204030204"/>
+                          <a:ea typeface="+mn-ea"/>
+                          <a:cs typeface="+mn-cs"/>
+                        </a:rPr>
+                        <a:t> GPIO</a:t>
+                      </a:r>
+                      <a:endParaRPr lang="de-DE" i="1" dirty="0"/>
+                    </a:p>
+                  </a:txBody>
+                  <a:tcPr/>
+                </a:tc>
+                <a:tc>
+                  <a:txBody>
+                    <a:bodyPr/>
+                    <a:lstStyle/>
+                    <a:p>
+                      <a:r>
+                        <a:rPr lang="de-DE" dirty="0"/>
+                        <a:t>STATUS LED</a:t>
+                      </a:r>
+                    </a:p>
+                  </a:txBody>
+                  <a:tcPr/>
+                </a:tc>
+                <a:extLst>
+                  <a:ext uri="{0D108BD9-81ED-4DB2-BD59-A6C34878D82A}">
+                    <a16:rowId xmlns:a16="http://schemas.microsoft.com/office/drawing/2014/main" val="729908984"/>
+                  </a:ext>
+                </a:extLst>
+              </a:tr>
+            </a:tbl>
+          </a:graphicData>
+        </a:graphic>
+      </p:graphicFrame>
+      <p:graphicFrame>
+        <p:nvGraphicFramePr>
+          <p:cNvPr id="6" name="Table 3">
+            <a:extLst>
+              <a:ext uri="{FF2B5EF4-FFF2-40B4-BE49-F238E27FC236}">
+                <a16:creationId xmlns:a16="http://schemas.microsoft.com/office/drawing/2014/main" id="{83D4F596-686F-859E-E46B-EA21DED806EF}"/>
+              </a:ext>
+            </a:extLst>
+          </p:cNvPr>
+          <p:cNvGraphicFramePr>
+            <a:graphicFrameLocks noGrp="1"/>
+          </p:cNvGraphicFramePr>
+          <p:nvPr>
+            <p:extLst>
+              <p:ext uri="{D42A27DB-BD31-4B8C-83A1-F6EECF244321}">
+                <p14:modId xmlns:p14="http://schemas.microsoft.com/office/powerpoint/2010/main" val="2898543061"/>
+              </p:ext>
+            </p:extLst>
+          </p:nvPr>
+        </p:nvGraphicFramePr>
+        <p:xfrm>
+          <a:off x="4878324" y="1276171"/>
+          <a:ext cx="2435352" cy="1112520"/>
+        </p:xfrm>
+        <a:graphic>
+          <a:graphicData uri="http://schemas.openxmlformats.org/drawingml/2006/table">
+            <a:tbl>
+              <a:tblPr firstRow="1" bandRow="1">
+                <a:tableStyleId>{5C22544A-7EE6-4342-B048-85BDC9FD1C3A}</a:tableStyleId>
+              </a:tblPr>
+              <a:tblGrid>
+                <a:gridCol w="1319784">
+                  <a:extLst>
+                    <a:ext uri="{9D8B030D-6E8A-4147-A177-3AD203B41FA5}">
+                      <a16:colId xmlns:a16="http://schemas.microsoft.com/office/drawing/2014/main" val="3013302737"/>
+                    </a:ext>
+                  </a:extLst>
+                </a:gridCol>
+                <a:gridCol w="1115568">
+                  <a:extLst>
+                    <a:ext uri="{9D8B030D-6E8A-4147-A177-3AD203B41FA5}">
+                      <a16:colId xmlns:a16="http://schemas.microsoft.com/office/drawing/2014/main" val="358381003"/>
+                    </a:ext>
+                  </a:extLst>
+                </a:gridCol>
+              </a:tblGrid>
+              <a:tr h="370840">
+                <a:tc>
+                  <a:txBody>
+                    <a:bodyPr/>
+                    <a:lstStyle/>
+                    <a:p>
+                      <a:r>
+                        <a:rPr lang="de-DE" dirty="0"/>
+                        <a:t>ESP32</a:t>
+                      </a:r>
+                    </a:p>
+                  </a:txBody>
+                  <a:tcPr/>
+                </a:tc>
+                <a:tc>
+                  <a:txBody>
+                    <a:bodyPr/>
+                    <a:lstStyle/>
+                    <a:p>
+                      <a:pPr marL="0" marR="0" lvl="0" indent="0" algn="l" defTabSz="914400" rtl="0" eaLnBrk="1" fontAlgn="auto" latinLnBrk="0" hangingPunct="1">
+                        <a:lnSpc>
+                          <a:spcPct val="100000"/>
+                        </a:lnSpc>
+                        <a:spcBef>
+                          <a:spcPts val="0"/>
+                        </a:spcBef>
+                        <a:spcAft>
+                          <a:spcPts val="0"/>
+                        </a:spcAft>
+                        <a:buClrTx/>
+                        <a:buSzTx/>
+                        <a:buFontTx/>
+                        <a:buNone/>
+                        <a:tabLst/>
+                        <a:defRPr/>
+                      </a:pPr>
+                      <a:r>
+                        <a:rPr lang="en-GB" sz="1800" b="1" kern="1200" dirty="0">
+                          <a:solidFill>
+                            <a:schemeClr val="lt1"/>
+                          </a:solidFill>
+                          <a:effectLst/>
+                          <a:latin typeface="+mn-lt"/>
+                          <a:ea typeface="+mn-ea"/>
+                          <a:cs typeface="+mn-cs"/>
+                        </a:rPr>
+                        <a:t>SDD1306 </a:t>
+                      </a:r>
+                      <a:endParaRPr lang="en-GB" dirty="0">
+                        <a:effectLst/>
+                      </a:endParaRPr>
+                    </a:p>
+                  </a:txBody>
+                  <a:tcPr/>
+                </a:tc>
+                <a:extLst>
+                  <a:ext uri="{0D108BD9-81ED-4DB2-BD59-A6C34878D82A}">
+                    <a16:rowId xmlns:a16="http://schemas.microsoft.com/office/drawing/2014/main" val="2303993578"/>
+                  </a:ext>
+                </a:extLst>
+              </a:tr>
+              <a:tr h="370840">
+                <a:tc>
+                  <a:txBody>
+                    <a:bodyPr/>
+                    <a:lstStyle/>
+                    <a:p>
+                      <a:r>
+                        <a:rPr kumimoji="0" lang="de-DE" sz="1800" b="0" i="1" u="none" strike="noStrike" kern="1200" cap="none" spc="0" normalizeH="0" baseline="0" noProof="0">
+                          <a:ln>
+                            <a:noFill/>
+                          </a:ln>
+                          <a:solidFill>
+                            <a:prstClr val="black"/>
+                          </a:solidFill>
+                          <a:effectLst/>
+                          <a:uLnTx/>
+                          <a:uFillTx/>
+                          <a:latin typeface="Calibri" panose="020F0502020204030204"/>
+                          <a:ea typeface="+mn-ea"/>
+                          <a:cs typeface="+mn-cs"/>
+                        </a:rPr>
+                        <a:t>any GPIO</a:t>
+                      </a:r>
+                      <a:endParaRPr lang="de-DE" i="1" dirty="0"/>
+                    </a:p>
+                  </a:txBody>
+                  <a:tcPr/>
+                </a:tc>
+                <a:tc>
+                  <a:txBody>
+                    <a:bodyPr/>
+                    <a:lstStyle/>
+                    <a:p>
+                      <a:r>
+                        <a:rPr lang="de-DE" dirty="0"/>
+                        <a:t>SDA</a:t>
+                      </a:r>
+                    </a:p>
+                  </a:txBody>
+                  <a:tcPr/>
+                </a:tc>
+                <a:extLst>
+                  <a:ext uri="{0D108BD9-81ED-4DB2-BD59-A6C34878D82A}">
+                    <a16:rowId xmlns:a16="http://schemas.microsoft.com/office/drawing/2014/main" val="2167041203"/>
+                  </a:ext>
+                </a:extLst>
+              </a:tr>
+              <a:tr h="370840">
+                <a:tc>
+                  <a:txBody>
+                    <a:bodyPr/>
+                    <a:lstStyle/>
+                    <a:p>
+                      <a:r>
+                        <a:rPr kumimoji="0" lang="de-DE" sz="1800" b="0" i="1" u="none" strike="noStrike" kern="1200" cap="none" spc="0" normalizeH="0" baseline="0" noProof="0" dirty="0" err="1">
+                          <a:ln>
+                            <a:noFill/>
+                          </a:ln>
+                          <a:solidFill>
+                            <a:prstClr val="black"/>
+                          </a:solidFill>
+                          <a:effectLst/>
+                          <a:uLnTx/>
+                          <a:uFillTx/>
+                          <a:latin typeface="Calibri" panose="020F0502020204030204"/>
+                          <a:ea typeface="+mn-ea"/>
+                          <a:cs typeface="+mn-cs"/>
+                        </a:rPr>
+                        <a:t>any</a:t>
+                      </a:r>
+                      <a:r>
+                        <a:rPr kumimoji="0" lang="de-DE" sz="1800" b="0" i="1" u="none" strike="noStrike" kern="1200" cap="none" spc="0" normalizeH="0" baseline="0" noProof="0" dirty="0">
+                          <a:ln>
+                            <a:noFill/>
+                          </a:ln>
+                          <a:solidFill>
+                            <a:prstClr val="black"/>
+                          </a:solidFill>
+                          <a:effectLst/>
+                          <a:uLnTx/>
+                          <a:uFillTx/>
+                          <a:latin typeface="Calibri" panose="020F0502020204030204"/>
+                          <a:ea typeface="+mn-ea"/>
+                          <a:cs typeface="+mn-cs"/>
+                        </a:rPr>
+                        <a:t> GPIO</a:t>
+                      </a:r>
+                      <a:endParaRPr lang="de-DE" i="1" dirty="0"/>
+                    </a:p>
+                  </a:txBody>
+                  <a:tcPr/>
+                </a:tc>
+                <a:tc>
+                  <a:txBody>
+                    <a:bodyPr/>
+                    <a:lstStyle/>
+                    <a:p>
+                      <a:r>
+                        <a:rPr lang="de-DE" dirty="0"/>
+                        <a:t>SCL</a:t>
+                      </a:r>
+                    </a:p>
+                  </a:txBody>
+                  <a:tcPr/>
+                </a:tc>
+                <a:extLst>
+                  <a:ext uri="{0D108BD9-81ED-4DB2-BD59-A6C34878D82A}">
+                    <a16:rowId xmlns:a16="http://schemas.microsoft.com/office/drawing/2014/main" val="729908984"/>
+                  </a:ext>
+                </a:extLst>
+              </a:tr>
+            </a:tbl>
+          </a:graphicData>
+        </a:graphic>
+      </p:graphicFrame>
+      <p:graphicFrame>
+        <p:nvGraphicFramePr>
+          <p:cNvPr id="7" name="Table 3">
+            <a:extLst>
+              <a:ext uri="{FF2B5EF4-FFF2-40B4-BE49-F238E27FC236}">
+                <a16:creationId xmlns:a16="http://schemas.microsoft.com/office/drawing/2014/main" id="{57F95336-EF41-4C08-7BFD-D23667B36825}"/>
+              </a:ext>
+            </a:extLst>
+          </p:cNvPr>
+          <p:cNvGraphicFramePr>
+            <a:graphicFrameLocks noGrp="1"/>
+          </p:cNvGraphicFramePr>
+          <p:nvPr>
+            <p:extLst>
+              <p:ext uri="{D42A27DB-BD31-4B8C-83A1-F6EECF244321}">
+                <p14:modId xmlns:p14="http://schemas.microsoft.com/office/powerpoint/2010/main" val="2544251020"/>
+              </p:ext>
+            </p:extLst>
+          </p:nvPr>
+        </p:nvGraphicFramePr>
+        <p:xfrm>
+          <a:off x="9032494" y="3317542"/>
+          <a:ext cx="2964434" cy="1112520"/>
+        </p:xfrm>
+        <a:graphic>
+          <a:graphicData uri="http://schemas.openxmlformats.org/drawingml/2006/table">
+            <a:tbl>
+              <a:tblPr firstRow="1" bandRow="1">
+                <a:tableStyleId>{5C22544A-7EE6-4342-B048-85BDC9FD1C3A}</a:tableStyleId>
+              </a:tblPr>
+              <a:tblGrid>
+                <a:gridCol w="1588128">
+                  <a:extLst>
+                    <a:ext uri="{9D8B030D-6E8A-4147-A177-3AD203B41FA5}">
+                      <a16:colId xmlns:a16="http://schemas.microsoft.com/office/drawing/2014/main" val="3013302737"/>
+                    </a:ext>
+                  </a:extLst>
+                </a:gridCol>
+                <a:gridCol w="1376306">
+                  <a:extLst>
+                    <a:ext uri="{9D8B030D-6E8A-4147-A177-3AD203B41FA5}">
+                      <a16:colId xmlns:a16="http://schemas.microsoft.com/office/drawing/2014/main" val="358381003"/>
+                    </a:ext>
+                  </a:extLst>
+                </a:gridCol>
+              </a:tblGrid>
+              <a:tr h="370840">
+                <a:tc>
+                  <a:txBody>
+                    <a:bodyPr/>
+                    <a:lstStyle/>
+                    <a:p>
+                      <a:r>
+                        <a:rPr lang="de-DE" dirty="0"/>
+                        <a:t>UDA1334A</a:t>
+                      </a:r>
+                    </a:p>
+                  </a:txBody>
+                  <a:tcPr/>
+                </a:tc>
+                <a:tc>
+                  <a:txBody>
+                    <a:bodyPr/>
+                    <a:lstStyle/>
+                    <a:p>
+                      <a:pPr marL="0" marR="0" lvl="0" indent="0" algn="l" defTabSz="914400" rtl="0" eaLnBrk="1" fontAlgn="auto" latinLnBrk="0" hangingPunct="1">
+                        <a:lnSpc>
+                          <a:spcPct val="100000"/>
+                        </a:lnSpc>
+                        <a:spcBef>
+                          <a:spcPts val="0"/>
+                        </a:spcBef>
+                        <a:spcAft>
+                          <a:spcPts val="0"/>
+                        </a:spcAft>
+                        <a:buClrTx/>
+                        <a:buSzTx/>
+                        <a:buFontTx/>
+                        <a:buNone/>
+                        <a:tabLst/>
+                        <a:defRPr/>
+                      </a:pPr>
+                      <a:r>
+                        <a:rPr lang="en-GB" sz="1800" b="1" kern="1200" dirty="0">
+                          <a:solidFill>
+                            <a:schemeClr val="lt1"/>
+                          </a:solidFill>
+                          <a:effectLst/>
+                          <a:latin typeface="+mn-lt"/>
+                          <a:ea typeface="+mn-ea"/>
+                          <a:cs typeface="+mn-cs"/>
+                        </a:rPr>
+                        <a:t>PAM8403</a:t>
+                      </a:r>
+                      <a:endParaRPr lang="en-GB" dirty="0">
+                        <a:effectLst/>
+                      </a:endParaRPr>
+                    </a:p>
+                  </a:txBody>
+                  <a:tcPr/>
+                </a:tc>
+                <a:extLst>
+                  <a:ext uri="{0D108BD9-81ED-4DB2-BD59-A6C34878D82A}">
+                    <a16:rowId xmlns:a16="http://schemas.microsoft.com/office/drawing/2014/main" val="2303993578"/>
+                  </a:ext>
+                </a:extLst>
+              </a:tr>
+              <a:tr h="370840">
+                <a:tc>
+                  <a:txBody>
+                    <a:bodyPr/>
+                    <a:lstStyle/>
+                    <a:p>
+                      <a:r>
+                        <a:rPr lang="de-DE" dirty="0"/>
+                        <a:t>14 / VOUTL</a:t>
+                      </a:r>
+                    </a:p>
+                  </a:txBody>
+                  <a:tcPr/>
+                </a:tc>
+                <a:tc>
+                  <a:txBody>
+                    <a:bodyPr/>
+                    <a:lstStyle/>
+                    <a:p>
+                      <a:r>
+                        <a:rPr lang="de-DE" dirty="0"/>
+                        <a:t>7 / INL</a:t>
+                      </a:r>
+                    </a:p>
+                  </a:txBody>
+                  <a:tcPr/>
+                </a:tc>
+                <a:extLst>
+                  <a:ext uri="{0D108BD9-81ED-4DB2-BD59-A6C34878D82A}">
+                    <a16:rowId xmlns:a16="http://schemas.microsoft.com/office/drawing/2014/main" val="2167041203"/>
+                  </a:ext>
+                </a:extLst>
+              </a:tr>
+              <a:tr h="370840">
+                <a:tc>
+                  <a:txBody>
+                    <a:bodyPr/>
+                    <a:lstStyle/>
+                    <a:p>
+                      <a:r>
+                        <a:rPr lang="de-DE" dirty="0"/>
+                        <a:t>16 / VOUTR</a:t>
+                      </a:r>
+                    </a:p>
+                  </a:txBody>
+                  <a:tcPr/>
+                </a:tc>
+                <a:tc>
+                  <a:txBody>
+                    <a:bodyPr/>
+                    <a:lstStyle/>
+                    <a:p>
+                      <a:r>
+                        <a:rPr lang="de-DE" dirty="0"/>
+                        <a:t>10 / INR</a:t>
+                      </a:r>
+                    </a:p>
+                  </a:txBody>
+                  <a:tcPr/>
+                </a:tc>
+                <a:extLst>
+                  <a:ext uri="{0D108BD9-81ED-4DB2-BD59-A6C34878D82A}">
+                    <a16:rowId xmlns:a16="http://schemas.microsoft.com/office/drawing/2014/main" val="729908984"/>
+                  </a:ext>
+                </a:extLst>
+              </a:tr>
+            </a:tbl>
+          </a:graphicData>
+        </a:graphic>
+      </p:graphicFrame>
+      <p:graphicFrame>
+        <p:nvGraphicFramePr>
+          <p:cNvPr id="9" name="Table 3">
+            <a:extLst>
+              <a:ext uri="{FF2B5EF4-FFF2-40B4-BE49-F238E27FC236}">
+                <a16:creationId xmlns:a16="http://schemas.microsoft.com/office/drawing/2014/main" id="{65EE7878-BD28-F90A-62FD-F33006360023}"/>
+              </a:ext>
+            </a:extLst>
+          </p:cNvPr>
+          <p:cNvGraphicFramePr>
+            <a:graphicFrameLocks noGrp="1"/>
+          </p:cNvGraphicFramePr>
+          <p:nvPr>
+            <p:extLst>
+              <p:ext uri="{D42A27DB-BD31-4B8C-83A1-F6EECF244321}">
+                <p14:modId xmlns:p14="http://schemas.microsoft.com/office/powerpoint/2010/main" val="1640338762"/>
+              </p:ext>
+            </p:extLst>
+          </p:nvPr>
+        </p:nvGraphicFramePr>
+        <p:xfrm>
+          <a:off x="4860036" y="5358913"/>
+          <a:ext cx="2453640" cy="1112520"/>
+        </p:xfrm>
+        <a:graphic>
+          <a:graphicData uri="http://schemas.openxmlformats.org/drawingml/2006/table">
+            <a:tbl>
+              <a:tblPr firstRow="1" bandRow="1">
+                <a:tableStyleId>{5C22544A-7EE6-4342-B048-85BDC9FD1C3A}</a:tableStyleId>
+              </a:tblPr>
+              <a:tblGrid>
+                <a:gridCol w="1338072">
+                  <a:extLst>
+                    <a:ext uri="{9D8B030D-6E8A-4147-A177-3AD203B41FA5}">
+                      <a16:colId xmlns:a16="http://schemas.microsoft.com/office/drawing/2014/main" val="3013302737"/>
+                    </a:ext>
+                  </a:extLst>
+                </a:gridCol>
+                <a:gridCol w="1115568">
+                  <a:extLst>
+                    <a:ext uri="{9D8B030D-6E8A-4147-A177-3AD203B41FA5}">
+                      <a16:colId xmlns:a16="http://schemas.microsoft.com/office/drawing/2014/main" val="358381003"/>
+                    </a:ext>
+                  </a:extLst>
+                </a:gridCol>
+              </a:tblGrid>
+              <a:tr h="370840">
+                <a:tc>
+                  <a:txBody>
+                    <a:bodyPr/>
+                    <a:lstStyle/>
+                    <a:p>
+                      <a:r>
+                        <a:rPr lang="de-DE" dirty="0"/>
+                        <a:t>CP2104</a:t>
+                      </a:r>
+                    </a:p>
+                  </a:txBody>
+                  <a:tcPr/>
+                </a:tc>
+                <a:tc>
+                  <a:txBody>
+                    <a:bodyPr/>
+                    <a:lstStyle/>
+                    <a:p>
+                      <a:pPr marL="0" marR="0" lvl="0" indent="0" algn="l" defTabSz="914400" rtl="0" eaLnBrk="1" fontAlgn="auto" latinLnBrk="0" hangingPunct="1">
+                        <a:lnSpc>
+                          <a:spcPct val="100000"/>
+                        </a:lnSpc>
+                        <a:spcBef>
+                          <a:spcPts val="0"/>
+                        </a:spcBef>
+                        <a:spcAft>
+                          <a:spcPts val="0"/>
+                        </a:spcAft>
+                        <a:buClrTx/>
+                        <a:buSzTx/>
+                        <a:buFontTx/>
+                        <a:buNone/>
+                        <a:tabLst/>
+                        <a:defRPr/>
+                      </a:pPr>
+                      <a:r>
+                        <a:rPr lang="en-GB" dirty="0">
+                          <a:effectLst/>
+                        </a:rPr>
+                        <a:t>USB</a:t>
+                      </a:r>
+                    </a:p>
+                  </a:txBody>
+                  <a:tcPr/>
+                </a:tc>
+                <a:extLst>
+                  <a:ext uri="{0D108BD9-81ED-4DB2-BD59-A6C34878D82A}">
+                    <a16:rowId xmlns:a16="http://schemas.microsoft.com/office/drawing/2014/main" val="2303993578"/>
+                  </a:ext>
+                </a:extLst>
+              </a:tr>
+              <a:tr h="370840">
+                <a:tc>
+                  <a:txBody>
+                    <a:bodyPr/>
+                    <a:lstStyle/>
+                    <a:p>
+                      <a:r>
+                        <a:rPr lang="de-DE" dirty="0"/>
+                        <a:t>3 / D+</a:t>
+                      </a:r>
+                    </a:p>
+                  </a:txBody>
+                  <a:tcPr/>
+                </a:tc>
+                <a:tc>
+                  <a:txBody>
+                    <a:bodyPr/>
+                    <a:lstStyle/>
+                    <a:p>
+                      <a:r>
+                        <a:rPr lang="de-DE" dirty="0"/>
+                        <a:t>USB D+</a:t>
+                      </a:r>
+                    </a:p>
+                  </a:txBody>
+                  <a:tcPr/>
+                </a:tc>
+                <a:extLst>
+                  <a:ext uri="{0D108BD9-81ED-4DB2-BD59-A6C34878D82A}">
+                    <a16:rowId xmlns:a16="http://schemas.microsoft.com/office/drawing/2014/main" val="2167041203"/>
+                  </a:ext>
+                </a:extLst>
+              </a:tr>
+              <a:tr h="370840">
+                <a:tc>
+                  <a:txBody>
+                    <a:bodyPr/>
+                    <a:lstStyle/>
+                    <a:p>
+                      <a:r>
+                        <a:rPr lang="de-DE" dirty="0"/>
+                        <a:t>4 / D-</a:t>
+                      </a:r>
+                    </a:p>
+                  </a:txBody>
+                  <a:tcPr/>
+                </a:tc>
+                <a:tc>
+                  <a:txBody>
+                    <a:bodyPr/>
+                    <a:lstStyle/>
+                    <a:p>
+                      <a:r>
+                        <a:rPr lang="de-DE" dirty="0"/>
+                        <a:t>USB D-</a:t>
+                      </a:r>
+                    </a:p>
+                  </a:txBody>
+                  <a:tcPr/>
+                </a:tc>
+                <a:extLst>
+                  <a:ext uri="{0D108BD9-81ED-4DB2-BD59-A6C34878D82A}">
+                    <a16:rowId xmlns:a16="http://schemas.microsoft.com/office/drawing/2014/main" val="729908984"/>
+                  </a:ext>
+                </a:extLst>
+              </a:tr>
+            </a:tbl>
+          </a:graphicData>
+        </a:graphic>
+      </p:graphicFrame>
+    </p:spTree>
+    <p:extLst>
+      <p:ext uri="{BB962C8B-B14F-4D97-AF65-F5344CB8AC3E}">
+        <p14:creationId xmlns:p14="http://schemas.microsoft.com/office/powerpoint/2010/main" val="72719276"/>
       </p:ext>
     </p:extLst>
   </p:cSld>
